--- a/PHS-651-9-2/variogram.pptx
+++ b/PHS-651-9-2/variogram.pptx
@@ -105,6 +105,11 @@
       </a:defRPr>
     </a:lvl9pPr>
   </p:defaultTextStyle>
+  <p:extLst>
+    <p:ext uri="{EFAFB233-063F-42B5-8137-9DF3F51BA10A}">
+      <p15:sldGuideLst xmlns:p15="http://schemas.microsoft.com/office/powerpoint/2012/main"/>
+    </p:ext>
+  </p:extLst>
 </p:presentation>
 </file>
 
@@ -3421,7 +3426,7 @@
             <p:spPr>
               <a:xfrm>
                 <a:off x="2886018" y="4116375"/>
-                <a:ext cx="504882" cy="493725"/>
+                <a:ext cx="504882" cy="472117"/>
               </a:xfrm>
               <a:prstGeom prst="rect">
                 <a:avLst/>
@@ -3434,6 +3439,7 @@
               </a:bodyPr>
               <a:lstStyle/>
               <a:p>
+                <a:pPr/>
                 <a14:m>
                   <m:oMathPara xmlns:m="http://schemas.openxmlformats.org/officeDocument/2006/math">
                     <m:oMathParaPr>
@@ -3461,7 +3467,7 @@
                             <a:rPr lang="en-US" sz="3000" b="1" i="1" smtClean="0">
                               <a:latin typeface="Cambria Math" panose="02040503050406030204" pitchFamily="18" charset="0"/>
                             </a:rPr>
-                            <m:t>𝟎</m:t>
+                            <m:t>𝝐</m:t>
                           </m:r>
                         </m:sub>
                         <m:sup>
@@ -3499,7 +3505,7 @@
             <p:spPr>
               <a:xfrm>
                 <a:off x="2886018" y="4116375"/>
-                <a:ext cx="504882" cy="493725"/>
+                <a:ext cx="504882" cy="472117"/>
               </a:xfrm>
               <a:prstGeom prst="rect">
                 <a:avLst/>
@@ -3507,7 +3513,7 @@
               <a:blipFill>
                 <a:blip r:embed="rId3"/>
                 <a:stretch>
-                  <a:fillRect l="-12500" t="-2564" r="-10000" b="-17949"/>
+                  <a:fillRect l="-12500" t="-2632" r="-10000" b="-7895"/>
                 </a:stretch>
               </a:blipFill>
             </p:spPr>
@@ -3543,7 +3549,7 @@
             <p:spPr>
               <a:xfrm>
                 <a:off x="2001802" y="2129612"/>
-                <a:ext cx="1389098" cy="493725"/>
+                <a:ext cx="1389098" cy="472117"/>
               </a:xfrm>
               <a:prstGeom prst="rect">
                 <a:avLst/>
@@ -3556,6 +3562,7 @@
               </a:bodyPr>
               <a:lstStyle/>
               <a:p>
+                <a:pPr/>
                 <a14:m>
                   <m:oMathPara xmlns:m="http://schemas.openxmlformats.org/officeDocument/2006/math">
                     <m:oMathParaPr>
@@ -3583,7 +3590,7 @@
                             <a:rPr lang="en-US" sz="3000" b="1" i="1" smtClean="0">
                               <a:latin typeface="Cambria Math" panose="02040503050406030204" pitchFamily="18" charset="0"/>
                             </a:rPr>
-                            <m:t>𝟎</m:t>
+                            <m:t>𝒄</m:t>
                           </m:r>
                         </m:sub>
                         <m:sup>
@@ -3622,7 +3629,7 @@
                             <a:rPr lang="en-US" sz="3000" b="1" i="1" smtClean="0">
                               <a:latin typeface="Cambria Math" panose="02040503050406030204" pitchFamily="18" charset="0"/>
                             </a:rPr>
-                            <m:t>𝒄</m:t>
+                            <m:t>𝝐</m:t>
                           </m:r>
                         </m:sub>
                         <m:sup>
@@ -3660,7 +3667,7 @@
             <p:spPr>
               <a:xfrm>
                 <a:off x="2001802" y="2129612"/>
-                <a:ext cx="1389098" cy="493725"/>
+                <a:ext cx="1389098" cy="472117"/>
               </a:xfrm>
               <a:prstGeom prst="rect">
                 <a:avLst/>
@@ -3668,7 +3675,7 @@
               <a:blipFill>
                 <a:blip r:embed="rId4"/>
                 <a:stretch>
-                  <a:fillRect l="-3636" t="-2500" r="-2727" b="-15000"/>
+                  <a:fillRect l="-3636" t="-2632" r="-2727" b="-10526"/>
                 </a:stretch>
               </a:blipFill>
             </p:spPr>
@@ -3687,8 +3694,8 @@
           </p:sp>
         </mc:Fallback>
       </mc:AlternateContent>
-      <mc:AlternateContent xmlns:mc="http://schemas.openxmlformats.org/markup-compatibility/2006">
-        <mc:Choice xmlns:a14="http://schemas.microsoft.com/office/drawing/2010/main" Requires="a14">
+      <mc:AlternateContent xmlns:mc="http://schemas.openxmlformats.org/markup-compatibility/2006" xmlns:a14="http://schemas.microsoft.com/office/drawing/2010/main">
+        <mc:Choice Requires="a14">
           <p:sp>
             <p:nvSpPr>
               <p:cNvPr id="8" name="TextBox 7">
@@ -3717,6 +3724,7 @@
               </a:bodyPr>
               <a:lstStyle/>
               <a:p>
+                <a:pPr/>
                 <a14:m>
                   <m:oMathPara xmlns:m="http://schemas.openxmlformats.org/officeDocument/2006/math">
                     <m:oMathParaPr>
@@ -3842,7 +3850,7 @@
             </p:txBody>
           </p:sp>
         </mc:Choice>
-        <mc:Fallback>
+        <mc:Fallback xmlns="">
           <p:sp>
             <p:nvSpPr>
               <p:cNvPr id="8" name="TextBox 7">
@@ -4019,7 +4027,7 @@
                   <a:srgbClr val="FF0000"/>
                 </a:solidFill>
               </a:rPr>
-              <a:t>Variation due to random intercepts</a:t>
+              <a:t>Variation due to measurement error</a:t>
             </a:r>
           </a:p>
         </p:txBody>
@@ -4146,7 +4154,7 @@
                   <a:srgbClr val="FF0000"/>
                 </a:solidFill>
               </a:rPr>
-              <a:t>Variation due to random intercept + serial correlation</a:t>
+              <a:t>Variation due to measurement error + serial correlation</a:t>
             </a:r>
           </a:p>
         </p:txBody>
@@ -4330,7 +4338,7 @@
             <p:spPr>
               <a:xfrm>
                 <a:off x="2022418" y="4116375"/>
-                <a:ext cx="504882" cy="493725"/>
+                <a:ext cx="504882" cy="472117"/>
               </a:xfrm>
               <a:prstGeom prst="rect">
                 <a:avLst/>
@@ -4343,6 +4351,7 @@
               </a:bodyPr>
               <a:lstStyle/>
               <a:p>
+                <a:pPr/>
                 <a14:m>
                   <m:oMathPara xmlns:m="http://schemas.openxmlformats.org/officeDocument/2006/math">
                     <m:oMathParaPr>
@@ -4370,7 +4379,7 @@
                             <a:rPr lang="en-US" sz="3000" b="1" i="1" smtClean="0">
                               <a:latin typeface="Cambria Math" panose="02040503050406030204" pitchFamily="18" charset="0"/>
                             </a:rPr>
-                            <m:t>𝟎</m:t>
+                            <m:t>𝝐</m:t>
                           </m:r>
                         </m:sub>
                         <m:sup>
@@ -4408,7 +4417,7 @@
             <p:spPr>
               <a:xfrm>
                 <a:off x="2022418" y="4116375"/>
-                <a:ext cx="504882" cy="493725"/>
+                <a:ext cx="504882" cy="472117"/>
               </a:xfrm>
               <a:prstGeom prst="rect">
                 <a:avLst/>
@@ -4416,7 +4425,7 @@
               <a:blipFill>
                 <a:blip r:embed="rId3"/>
                 <a:stretch>
-                  <a:fillRect l="-12195" t="-2564" r="-7317" b="-17949"/>
+                  <a:fillRect l="-12195" t="-2632" r="-7317" b="-7895"/>
                 </a:stretch>
               </a:blipFill>
             </p:spPr>
@@ -4452,7 +4461,7 @@
             <p:spPr>
               <a:xfrm>
                 <a:off x="1138202" y="2129612"/>
-                <a:ext cx="1389098" cy="493725"/>
+                <a:ext cx="1389098" cy="472117"/>
               </a:xfrm>
               <a:prstGeom prst="rect">
                 <a:avLst/>
@@ -4465,6 +4474,7 @@
               </a:bodyPr>
               <a:lstStyle/>
               <a:p>
+                <a:pPr/>
                 <a14:m>
                   <m:oMathPara xmlns:m="http://schemas.openxmlformats.org/officeDocument/2006/math">
                     <m:oMathParaPr>
@@ -4492,7 +4502,7 @@
                             <a:rPr lang="en-US" sz="3000" b="1" i="1" smtClean="0">
                               <a:latin typeface="Cambria Math" panose="02040503050406030204" pitchFamily="18" charset="0"/>
                             </a:rPr>
-                            <m:t>𝟎</m:t>
+                            <m:t>𝒄</m:t>
                           </m:r>
                         </m:sub>
                         <m:sup>
@@ -4531,7 +4541,7 @@
                             <a:rPr lang="en-US" sz="3000" b="1" i="1" smtClean="0">
                               <a:latin typeface="Cambria Math" panose="02040503050406030204" pitchFamily="18" charset="0"/>
                             </a:rPr>
-                            <m:t>𝒄</m:t>
+                            <m:t>𝝐</m:t>
                           </m:r>
                         </m:sub>
                         <m:sup>
@@ -4569,7 +4579,7 @@
             <p:spPr>
               <a:xfrm>
                 <a:off x="1138202" y="2129612"/>
-                <a:ext cx="1389098" cy="493725"/>
+                <a:ext cx="1389098" cy="472117"/>
               </a:xfrm>
               <a:prstGeom prst="rect">
                 <a:avLst/>
@@ -4577,7 +4587,7 @@
               <a:blipFill>
                 <a:blip r:embed="rId4"/>
                 <a:stretch>
-                  <a:fillRect l="-3604" t="-2500" r="-2703" b="-15000"/>
+                  <a:fillRect l="-3604" t="-2632" r="-2703" b="-10526"/>
                 </a:stretch>
               </a:blipFill>
             </p:spPr>
@@ -4596,8 +4606,8 @@
           </p:sp>
         </mc:Fallback>
       </mc:AlternateContent>
-      <mc:AlternateContent xmlns:mc="http://schemas.openxmlformats.org/markup-compatibility/2006">
-        <mc:Choice xmlns:a14="http://schemas.microsoft.com/office/drawing/2010/main" Requires="a14">
+      <mc:AlternateContent xmlns:mc="http://schemas.openxmlformats.org/markup-compatibility/2006" xmlns:a14="http://schemas.microsoft.com/office/drawing/2010/main">
+        <mc:Choice Requires="a14">
           <p:sp>
             <p:nvSpPr>
               <p:cNvPr id="8" name="TextBox 7">
@@ -4626,6 +4636,7 @@
               </a:bodyPr>
               <a:lstStyle/>
               <a:p>
+                <a:pPr/>
                 <a14:m>
                   <m:oMathPara xmlns:m="http://schemas.openxmlformats.org/officeDocument/2006/math">
                     <m:oMathParaPr>
@@ -4751,7 +4762,7 @@
             </p:txBody>
           </p:sp>
         </mc:Choice>
-        <mc:Fallback>
+        <mc:Fallback xmlns="">
           <p:sp>
             <p:nvSpPr>
               <p:cNvPr id="8" name="TextBox 7">
@@ -4847,45 +4858,6 @@
       </p:sp>
       <p:sp>
         <p:nvSpPr>
-          <p:cNvPr id="3" name="TextBox 2">
-            <a:extLst>
-              <a:ext uri="{FF2B5EF4-FFF2-40B4-BE49-F238E27FC236}">
-                <a16:creationId xmlns:a16="http://schemas.microsoft.com/office/drawing/2014/main" id="{13105A7B-4A0B-1912-6D7F-DB7E660F2E84}"/>
-              </a:ext>
-            </a:extLst>
-          </p:cNvPr>
-          <p:cNvSpPr txBox="1"/>
-          <p:nvPr/>
-        </p:nvSpPr>
-        <p:spPr>
-          <a:xfrm>
-            <a:off x="10045700" y="4193672"/>
-            <a:ext cx="1663700" cy="923330"/>
-          </a:xfrm>
-          <a:prstGeom prst="rect">
-            <a:avLst/>
-          </a:prstGeom>
-          <a:noFill/>
-        </p:spPr>
-        <p:txBody>
-          <a:bodyPr wrap="square" rtlCol="0">
-            <a:spAutoFit/>
-          </a:bodyPr>
-          <a:lstStyle/>
-          <a:p>
-            <a:r>
-              <a:rPr lang="en-US" b="1" dirty="0">
-                <a:solidFill>
-                  <a:srgbClr val="FF0000"/>
-                </a:solidFill>
-              </a:rPr>
-              <a:t>Evidence of random intercept</a:t>
-            </a:r>
-          </a:p>
-        </p:txBody>
-      </p:sp>
-      <p:sp>
-        <p:nvSpPr>
           <p:cNvPr id="9" name="Right Brace 8">
             <a:extLst>
               <a:ext uri="{FF2B5EF4-FFF2-40B4-BE49-F238E27FC236}">
@@ -5050,7 +5022,7 @@
         <p:spPr>
           <a:xfrm>
             <a:off x="10066180" y="1206282"/>
-            <a:ext cx="1663700" cy="923330"/>
+            <a:ext cx="1663700" cy="1200329"/>
           </a:xfrm>
           <a:prstGeom prst="rect">
             <a:avLst/>
@@ -5069,8 +5041,15 @@
                   <a:srgbClr val="FF0000"/>
                 </a:solidFill>
               </a:rPr>
-              <a:t>Evidence of measurement error</a:t>
-            </a:r>
+              <a:t>Evidence of random intercept</a:t>
+            </a:r>
+          </a:p>
+          <a:p>
+            <a:endParaRPr lang="en-US" b="1" dirty="0">
+              <a:solidFill>
+                <a:srgbClr val="FF0000"/>
+              </a:solidFill>
+            </a:endParaRPr>
           </a:p>
         </p:txBody>
       </p:sp>
@@ -5130,6 +5109,46 @@
               </a:rPr>
               <a:t>Time lag</a:t>
             </a:r>
+          </a:p>
+        </p:txBody>
+      </p:sp>
+      <p:sp>
+        <p:nvSpPr>
+          <p:cNvPr id="15" name="TextBox 14">
+            <a:extLst>
+              <a:ext uri="{FF2B5EF4-FFF2-40B4-BE49-F238E27FC236}">
+                <a16:creationId xmlns:a16="http://schemas.microsoft.com/office/drawing/2014/main" id="{D94605C1-1B85-30E2-5546-311393DB36BC}"/>
+              </a:ext>
+            </a:extLst>
+          </p:cNvPr>
+          <p:cNvSpPr txBox="1"/>
+          <p:nvPr/>
+        </p:nvSpPr>
+        <p:spPr>
+          <a:xfrm>
+            <a:off x="10066180" y="4293556"/>
+            <a:ext cx="1663700" cy="923330"/>
+          </a:xfrm>
+          <a:prstGeom prst="rect">
+            <a:avLst/>
+          </a:prstGeom>
+          <a:noFill/>
+        </p:spPr>
+        <p:txBody>
+          <a:bodyPr wrap="square">
+            <a:spAutoFit/>
+          </a:bodyPr>
+          <a:lstStyle/>
+          <a:p>
+            <a:r>
+              <a:rPr lang="en-US" b="1" dirty="0">
+                <a:solidFill>
+                  <a:srgbClr val="FF0000"/>
+                </a:solidFill>
+              </a:rPr>
+              <a:t>Evidence of measurement error</a:t>
+            </a:r>
+            <a:endParaRPr lang="en-US" dirty="0"/>
           </a:p>
         </p:txBody>
       </p:sp>
